--- a/Documentos en otros formatos/presentacion.pptx
+++ b/Documentos en otros formatos/presentacion.pptx
@@ -9087,27 +9087,27 @@
       </p:par>
     </p:tnLst>
     <p:bldLst>
+      <p:bldP build="whole" bldLvl="1" animBg="1" rev="0" advAuto="0" spid="203" grpId="14"/>
+      <p:bldP build="whole" bldLvl="1" animBg="1" rev="0" advAuto="0" spid="207" grpId="20"/>
+      <p:bldP build="whole" bldLvl="1" animBg="1" rev="0" advAuto="0" spid="204" grpId="19"/>
+      <p:bldP build="whole" bldLvl="1" animBg="1" rev="0" advAuto="0" spid="201" grpId="10"/>
+      <p:bldP build="whole" bldLvl="1" animBg="1" rev="0" advAuto="0" spid="188" grpId="1"/>
+      <p:bldP build="whole" bldLvl="1" animBg="1" rev="0" advAuto="0" spid="202" grpId="13"/>
       <p:bldP build="whole" bldLvl="1" animBg="1" rev="0" advAuto="0" spid="192" grpId="3"/>
-      <p:bldP build="whole" bldLvl="1" animBg="1" rev="0" advAuto="0" spid="207" grpId="20"/>
+      <p:bldP build="whole" bldLvl="1" animBg="1" rev="0" advAuto="0" spid="190" grpId="4"/>
       <p:bldP build="whole" bldLvl="1" animBg="1" rev="0" advAuto="0" spid="206" grpId="17"/>
+      <p:bldP build="whole" bldLvl="1" animBg="1" rev="0" advAuto="0" spid="200" grpId="12"/>
+      <p:bldP build="whole" bldLvl="1" animBg="1" rev="0" advAuto="0" spid="191" grpId="6"/>
+      <p:bldP build="whole" bldLvl="1" animBg="1" rev="0" advAuto="0" spid="194" grpId="7"/>
+      <p:bldP build="whole" bldLvl="1" animBg="1" rev="0" advAuto="0" spid="193" grpId="5"/>
+      <p:bldP build="whole" bldLvl="1" animBg="1" rev="0" advAuto="0" spid="199" grpId="9"/>
+      <p:bldP build="whole" bldLvl="1" animBg="1" rev="0" advAuto="0" spid="196" grpId="15"/>
+      <p:bldP build="whole" bldLvl="1" animBg="1" rev="0" advAuto="0" spid="205" grpId="18"/>
+      <p:bldP build="whole" bldLvl="1" animBg="1" rev="0" advAuto="0" spid="208" grpId="21"/>
+      <p:bldP build="whole" bldLvl="1" animBg="1" rev="0" advAuto="0" spid="197" grpId="8"/>
+      <p:bldP build="whole" bldLvl="1" animBg="1" rev="0" advAuto="0" spid="195" grpId="11"/>
+      <p:bldP build="whole" bldLvl="1" animBg="1" rev="0" advAuto="0" spid="198" grpId="16"/>
       <p:bldP build="whole" bldLvl="1" animBg="1" rev="0" advAuto="0" spid="189" grpId="2"/>
-      <p:bldP build="whole" bldLvl="1" animBg="1" rev="0" advAuto="0" spid="198" grpId="16"/>
-      <p:bldP build="whole" bldLvl="1" animBg="1" rev="0" advAuto="0" spid="195" grpId="11"/>
-      <p:bldP build="whole" bldLvl="1" animBg="1" rev="0" advAuto="0" spid="205" grpId="18"/>
-      <p:bldP build="whole" bldLvl="1" animBg="1" rev="0" advAuto="0" spid="199" grpId="9"/>
-      <p:bldP build="whole" bldLvl="1" animBg="1" rev="0" advAuto="0" spid="201" grpId="10"/>
-      <p:bldP build="whole" bldLvl="1" animBg="1" rev="0" advAuto="0" spid="193" grpId="5"/>
-      <p:bldP build="whole" bldLvl="1" animBg="1" rev="0" advAuto="0" spid="202" grpId="13"/>
-      <p:bldP build="whole" bldLvl="1" animBg="1" rev="0" advAuto="0" spid="188" grpId="1"/>
-      <p:bldP build="whole" bldLvl="1" animBg="1" rev="0" advAuto="0" spid="196" grpId="15"/>
-      <p:bldP build="whole" bldLvl="1" animBg="1" rev="0" advAuto="0" spid="204" grpId="19"/>
-      <p:bldP build="whole" bldLvl="1" animBg="1" rev="0" advAuto="0" spid="200" grpId="12"/>
-      <p:bldP build="whole" bldLvl="1" animBg="1" rev="0" advAuto="0" spid="190" grpId="4"/>
-      <p:bldP build="whole" bldLvl="1" animBg="1" rev="0" advAuto="0" spid="203" grpId="14"/>
-      <p:bldP build="whole" bldLvl="1" animBg="1" rev="0" advAuto="0" spid="191" grpId="6"/>
-      <p:bldP build="whole" bldLvl="1" animBg="1" rev="0" advAuto="0" spid="208" grpId="21"/>
-      <p:bldP build="whole" bldLvl="1" animBg="1" rev="0" advAuto="0" spid="194" grpId="7"/>
-      <p:bldP build="whole" bldLvl="1" animBg="1" rev="0" advAuto="0" spid="197" grpId="8"/>
     </p:bldLst>
   </p:timing>
 </p:sld>
@@ -9267,6 +9267,10 @@
           </p:nvPr>
         </p:nvSpPr>
         <p:spPr>
+          <a:xfrm>
+            <a:off x="1231900" y="2844800"/>
+            <a:ext cx="21907500" cy="10455506"/>
+          </a:xfrm>
           <a:prstGeom prst="rect">
             <a:avLst/>
           </a:prstGeom>
@@ -9275,29 +9279,82 @@
           <a:bodyPr/>
           <a:lstStyle/>
           <a:p>
-            <a:pPr/>
+            <a:pPr marL="603250" indent="-603250" defTabSz="784225">
+              <a:spcBef>
+                <a:spcPts val="5600"/>
+              </a:spcBef>
+              <a:defRPr sz="4750"/>
+            </a:pPr>
             <a:r>
               <a:t>Mejora de los algoritmos de recomendación.</a:t>
             </a:r>
           </a:p>
           <a:p>
-            <a:pPr/>
+            <a:pPr marL="603250" indent="-603250" defTabSz="784225">
+              <a:spcBef>
+                <a:spcPts val="5600"/>
+              </a:spcBef>
+              <a:defRPr sz="4750"/>
+            </a:pPr>
             <a:r>
               <a:t>Codificación de datos.</a:t>
             </a:r>
           </a:p>
           <a:p>
-            <a:pPr/>
+            <a:pPr marL="603250" indent="-603250" defTabSz="784225">
+              <a:spcBef>
+                <a:spcPts val="5600"/>
+              </a:spcBef>
+              <a:defRPr sz="4750"/>
+            </a:pPr>
+            <a:r>
+              <a:t>Editar perfil usuario y añadir datos (foto de                                                                </a:t>
+            </a:r>
+            <a:r>
+              <a:rPr>
+                <a:solidFill>
+                  <a:srgbClr val="000000"/>
+                </a:solidFill>
+              </a:rPr>
+              <a:t>. </a:t>
+            </a:r>
+            <a:r>
+              <a:t>  perfil, descripción, gustos musicales, etc).</a:t>
+            </a:r>
+          </a:p>
+          <a:p>
+            <a:pPr marL="603250" indent="-603250" defTabSz="784225">
+              <a:spcBef>
+                <a:spcPts val="5600"/>
+              </a:spcBef>
+              <a:defRPr sz="4750"/>
+            </a:pPr>
+            <a:r>
+              <a:t>Seguir a otros usuarios.</a:t>
+            </a:r>
+          </a:p>
+          <a:p>
+            <a:pPr marL="603250" indent="-603250" defTabSz="784225">
+              <a:spcBef>
+                <a:spcPts val="5600"/>
+              </a:spcBef>
+              <a:defRPr sz="4750"/>
+            </a:pPr>
             <a:r>
               <a:t>Almacenar el historial de búsqueda.</a:t>
             </a:r>
           </a:p>
           <a:p>
-            <a:pPr/>
+            <a:pPr marL="603250" indent="-603250" defTabSz="784225">
+              <a:spcBef>
+                <a:spcPts val="5600"/>
+              </a:spcBef>
+              <a:defRPr sz="4750"/>
+            </a:pPr>
             <a:r>
               <a:t>Crear un reproductor de música.</a:t>
             </a:r>
-            <a:endParaRPr sz="1200">
+            <a:endParaRPr sz="1140">
               <a:latin typeface="Times Roman"/>
               <a:ea typeface="Times Roman"/>
               <a:cs typeface="Times Roman"/>
